--- a/lectures/powerpoints/SDK-walkthrough-part-two.pptx
+++ b/lectures/powerpoints/SDK-walkthrough-part-two.pptx
@@ -214,7 +214,7 @@
           <a:p>
             <a:fld id="{237A3326-6BE8-4DE2-A526-66D6DC5DC342}" type="datetimeFigureOut">
               <a:rPr lang="en-GB" smtClean="0"/>
-              <a:t>18/12/2023</a:t>
+              <a:t>19/12/2023</a:t>
             </a:fld>
             <a:endParaRPr lang="en-GB"/>
           </a:p>
@@ -391,7 +391,7 @@
           <a:p>
             <a:fld id="{198E9702-0021-4473-93B9-41638846F4C4}" type="datetimeFigureOut">
               <a:rPr lang="en-GB" smtClean="0"/>
-              <a:t>18/12/2023</a:t>
+              <a:t>19/12/2023</a:t>
             </a:fld>
             <a:endParaRPr lang="en-GB"/>
           </a:p>
@@ -987,7 +987,7 @@
           <a:p>
             <a:fld id="{B1836D41-3C4D-1D49-AA54-4231464E6415}" type="datetimeFigureOut">
               <a:rPr lang="en-US" smtClean="0"/>
-              <a:t>12/18/2023</a:t>
+              <a:t>12/19/2023</a:t>
             </a:fld>
             <a:endParaRPr lang="en-US"/>
           </a:p>
@@ -1191,7 +1191,7 @@
           <a:p>
             <a:fld id="{B1836D41-3C4D-1D49-AA54-4231464E6415}" type="datetimeFigureOut">
               <a:rPr lang="en-US" smtClean="0"/>
-              <a:t>12/18/2023</a:t>
+              <a:t>12/19/2023</a:t>
             </a:fld>
             <a:endParaRPr lang="en-US"/>
           </a:p>
@@ -1372,7 +1372,7 @@
           <a:p>
             <a:fld id="{B1836D41-3C4D-1D49-AA54-4231464E6415}" type="datetimeFigureOut">
               <a:rPr lang="en-US" smtClean="0"/>
-              <a:t>12/18/2023</a:t>
+              <a:t>12/19/2023</a:t>
             </a:fld>
             <a:endParaRPr lang="en-US"/>
           </a:p>
@@ -1547,7 +1547,7 @@
           <a:p>
             <a:fld id="{B1836D41-3C4D-1D49-AA54-4231464E6415}" type="datetimeFigureOut">
               <a:rPr lang="en-US" smtClean="0"/>
-              <a:t>12/18/2023</a:t>
+              <a:t>12/19/2023</a:t>
             </a:fld>
             <a:endParaRPr lang="en-US"/>
           </a:p>
@@ -1795,7 +1795,7 @@
           <a:p>
             <a:fld id="{B1836D41-3C4D-1D49-AA54-4231464E6415}" type="datetimeFigureOut">
               <a:rPr lang="en-US" smtClean="0"/>
-              <a:t>12/18/2023</a:t>
+              <a:t>12/19/2023</a:t>
             </a:fld>
             <a:endParaRPr lang="en-US"/>
           </a:p>
@@ -2112,7 +2112,7 @@
           <a:p>
             <a:fld id="{B1836D41-3C4D-1D49-AA54-4231464E6415}" type="datetimeFigureOut">
               <a:rPr lang="en-US" smtClean="0"/>
-              <a:t>12/18/2023</a:t>
+              <a:t>12/19/2023</a:t>
             </a:fld>
             <a:endParaRPr lang="en-US"/>
           </a:p>
@@ -2578,7 +2578,7 @@
           <a:p>
             <a:fld id="{B1836D41-3C4D-1D49-AA54-4231464E6415}" type="datetimeFigureOut">
               <a:rPr lang="en-US" smtClean="0"/>
-              <a:t>12/18/2023</a:t>
+              <a:t>12/19/2023</a:t>
             </a:fld>
             <a:endParaRPr lang="en-US"/>
           </a:p>
@@ -2725,7 +2725,7 @@
           <a:p>
             <a:fld id="{B1836D41-3C4D-1D49-AA54-4231464E6415}" type="datetimeFigureOut">
               <a:rPr lang="en-US" smtClean="0"/>
-              <a:t>12/18/2023</a:t>
+              <a:t>12/19/2023</a:t>
             </a:fld>
             <a:endParaRPr lang="en-US"/>
           </a:p>
@@ -2815,7 +2815,7 @@
           <a:p>
             <a:fld id="{B1836D41-3C4D-1D49-AA54-4231464E6415}" type="datetimeFigureOut">
               <a:rPr lang="en-US" smtClean="0"/>
-              <a:t>12/18/2023</a:t>
+              <a:t>12/19/2023</a:t>
             </a:fld>
             <a:endParaRPr lang="en-US"/>
           </a:p>
@@ -3089,7 +3089,7 @@
           <a:p>
             <a:fld id="{B1836D41-3C4D-1D49-AA54-4231464E6415}" type="datetimeFigureOut">
               <a:rPr lang="en-US" smtClean="0"/>
-              <a:t>12/18/2023</a:t>
+              <a:t>12/19/2023</a:t>
             </a:fld>
             <a:endParaRPr lang="en-US"/>
           </a:p>
@@ -3394,7 +3394,7 @@
           <a:p>
             <a:fld id="{B1836D41-3C4D-1D49-AA54-4231464E6415}" type="datetimeFigureOut">
               <a:rPr lang="en-US" smtClean="0"/>
-              <a:t>12/18/2023</a:t>
+              <a:t>12/19/2023</a:t>
             </a:fld>
             <a:endParaRPr lang="en-US"/>
           </a:p>
@@ -3691,7 +3691,7 @@
           <a:p>
             <a:fld id="{B1836D41-3C4D-1D49-AA54-4231464E6415}" type="datetimeFigureOut">
               <a:rPr lang="en-US" smtClean="0"/>
-              <a:t>12/18/2023</a:t>
+              <a:t>12/19/2023</a:t>
             </a:fld>
             <a:endParaRPr lang="en-US"/>
           </a:p>
@@ -4415,7 +4415,7 @@
         </p:nvSpPr>
         <p:spPr>
           <a:xfrm>
-            <a:off x="407368" y="1556792"/>
+            <a:off x="407368" y="1844824"/>
             <a:ext cx="2664296" cy="1938992"/>
           </a:xfrm>
           <a:prstGeom prst="rect">
@@ -4637,7 +4637,7 @@
         </p:nvSpPr>
         <p:spPr>
           <a:xfrm>
-            <a:off x="3143672" y="1556792"/>
+            <a:off x="3143672" y="1844824"/>
             <a:ext cx="8856984" cy="1938992"/>
           </a:xfrm>
         </p:spPr>
@@ -4712,7 +4712,7 @@
         </p:nvSpPr>
         <p:spPr>
           <a:xfrm>
-            <a:off x="407368" y="4005064"/>
+            <a:off x="407368" y="4581128"/>
             <a:ext cx="9505056" cy="707886"/>
           </a:xfrm>
           <a:prstGeom prst="rect">
@@ -4900,7 +4900,7 @@
         </p:nvSpPr>
         <p:spPr>
           <a:xfrm>
-            <a:off x="10012212" y="3429000"/>
+            <a:off x="10012212" y="4005064"/>
             <a:ext cx="2061901" cy="954107"/>
           </a:xfrm>
           <a:prstGeom prst="rect">
@@ -4937,7 +4937,23 @@
                   <a:srgbClr val="0070C0"/>
                 </a:solidFill>
               </a:rPr>
-              <a:t> DSD to send wavelets to the fabric along the colour </a:t>
+              <a:t> DSD to send wavelets to the fabric along the </a:t>
+            </a:r>
+            <a:r>
+              <a:rPr lang="en-GB" sz="1400" dirty="0" err="1">
+                <a:solidFill>
+                  <a:srgbClr val="0070C0"/>
+                </a:solidFill>
+              </a:rPr>
+              <a:t>color</a:t>
+            </a:r>
+            <a:r>
+              <a:rPr lang="en-GB" sz="1400" dirty="0">
+                <a:solidFill>
+                  <a:srgbClr val="0070C0"/>
+                </a:solidFill>
+              </a:rPr>
+              <a:t> </a:t>
             </a:r>
             <a:r>
               <a:rPr lang="en-GB" sz="1400" i="1" dirty="0" err="1">
@@ -4972,7 +4988,7 @@
         </p:nvCxnSpPr>
         <p:spPr>
           <a:xfrm flipH="1">
-            <a:off x="3431704" y="3906054"/>
+            <a:off x="3431704" y="4482118"/>
             <a:ext cx="6580508" cy="320665"/>
           </a:xfrm>
           <a:prstGeom prst="straightConnector1">
@@ -5014,7 +5030,7 @@
         </p:nvSpPr>
         <p:spPr>
           <a:xfrm>
-            <a:off x="10012211" y="4413885"/>
+            <a:off x="10012211" y="4989949"/>
             <a:ext cx="2061901" cy="738664"/>
           </a:xfrm>
           <a:prstGeom prst="rect">
@@ -5094,7 +5110,7 @@
         </p:nvCxnSpPr>
         <p:spPr>
           <a:xfrm flipH="1" flipV="1">
-            <a:off x="6528048" y="4398496"/>
+            <a:off x="6528048" y="4974560"/>
             <a:ext cx="3484163" cy="384721"/>
           </a:xfrm>
           <a:prstGeom prst="straightConnector1">
@@ -5136,7 +5152,7 @@
         </p:nvSpPr>
         <p:spPr>
           <a:xfrm>
-            <a:off x="1109446" y="5152549"/>
+            <a:off x="1109446" y="5728613"/>
             <a:ext cx="2484276" cy="738664"/>
           </a:xfrm>
           <a:prstGeom prst="rect">
@@ -5207,7 +5223,7 @@
         </p:nvCxnSpPr>
         <p:spPr>
           <a:xfrm flipH="1" flipV="1">
-            <a:off x="1199456" y="4517071"/>
+            <a:off x="1199456" y="5093135"/>
             <a:ext cx="1152128" cy="635478"/>
           </a:xfrm>
           <a:prstGeom prst="straightConnector1">
@@ -5249,7 +5265,7 @@
         </p:nvSpPr>
         <p:spPr>
           <a:xfrm>
-            <a:off x="4243050" y="5152549"/>
+            <a:off x="4243050" y="5728613"/>
             <a:ext cx="4877285" cy="523220"/>
           </a:xfrm>
           <a:prstGeom prst="rect">
@@ -5320,7 +5336,7 @@
         </p:nvCxnSpPr>
         <p:spPr>
           <a:xfrm flipH="1" flipV="1">
-            <a:off x="4583832" y="4538797"/>
+            <a:off x="4583832" y="5114861"/>
             <a:ext cx="1944216" cy="613752"/>
           </a:xfrm>
           <a:prstGeom prst="straightConnector1">
@@ -5781,7 +5797,23 @@
                       <a:srgbClr val="0070C0"/>
                     </a:solidFill>
                   </a:rPr>
-                  <a:t> DSD to receive wavelets from the fabric along the colour </a:t>
+                  <a:t> DSD to receive wavelets from the fabric along the </a:t>
+                </a:r>
+                <a:r>
+                  <a:rPr lang="en-GB" sz="1400" dirty="0" err="1">
+                    <a:solidFill>
+                      <a:srgbClr val="0070C0"/>
+                    </a:solidFill>
+                  </a:rPr>
+                  <a:t>color</a:t>
+                </a:r>
+                <a:r>
+                  <a:rPr lang="en-GB" sz="1400" dirty="0">
+                    <a:solidFill>
+                      <a:srgbClr val="0070C0"/>
+                    </a:solidFill>
+                  </a:rPr>
+                  <a:t> </a:t>
                 </a:r>
                 <a:r>
                   <a:rPr lang="en-GB" sz="1400" i="1" dirty="0" err="1">
@@ -8343,7 +8375,15 @@
           <a:p>
             <a:r>
               <a:rPr lang="en-GB" dirty="0"/>
-              <a:t>This involves specifying colours and task ids for communicating in dimensions X and Y</a:t>
+              <a:t>This involves specifying </a:t>
+            </a:r>
+            <a:r>
+              <a:rPr lang="en-GB" dirty="0" err="1"/>
+              <a:t>colors</a:t>
+            </a:r>
+            <a:r>
+              <a:rPr lang="en-GB" dirty="0"/>
+              <a:t> and task ids for communicating in dimensions X and Y</a:t>
             </a:r>
           </a:p>
           <a:p>
@@ -12473,7 +12513,23 @@
             <a:pPr lvl="1"/>
             <a:r>
               <a:rPr lang="en-GB" dirty="0"/>
-              <a:t>This is a bit like a tag in MPI point-to-point communications, and similarly many messages on one colour does not block messages with a different colour using the same physical link</a:t>
+              <a:t>This is a bit like a tag in MPI point-to-point communications, and similarly many messages on one </a:t>
+            </a:r>
+            <a:r>
+              <a:rPr lang="en-GB" dirty="0" err="1"/>
+              <a:t>color</a:t>
+            </a:r>
+            <a:r>
+              <a:rPr lang="en-GB" dirty="0"/>
+              <a:t> does not block messages with a different </a:t>
+            </a:r>
+            <a:r>
+              <a:rPr lang="en-GB" dirty="0" err="1"/>
+              <a:t>color</a:t>
+            </a:r>
+            <a:r>
+              <a:rPr lang="en-GB" dirty="0"/>
+              <a:t> using the same physical link</a:t>
             </a:r>
           </a:p>
           <a:p>
@@ -15516,7 +15572,15 @@
             <a:pPr lvl="1"/>
             <a:r>
               <a:rPr lang="en-GB" dirty="0"/>
-              <a:t>Remember, there are 24 virtual communication channels (colours) each capable of communicating a 32-bit wavelet per cycle</a:t>
+              <a:t>Remember, there are 24 virtual communication channels (</a:t>
+            </a:r>
+            <a:r>
+              <a:rPr lang="en-GB" dirty="0" err="1"/>
+              <a:t>colors</a:t>
+            </a:r>
+            <a:r>
+              <a:rPr lang="en-GB" dirty="0"/>
+              <a:t>) each capable of communicating a 32-bit wavelet per cycle</a:t>
             </a:r>
           </a:p>
         </p:txBody>
@@ -18887,7 +18951,23 @@
                   <a:srgbClr val="0070C0"/>
                 </a:solidFill>
               </a:rPr>
-              <a:t>The colour to use</a:t>
+              <a:t>The </a:t>
+            </a:r>
+            <a:r>
+              <a:rPr lang="en-GB" sz="1400" dirty="0" err="1">
+                <a:solidFill>
+                  <a:srgbClr val="0070C0"/>
+                </a:solidFill>
+              </a:rPr>
+              <a:t>color</a:t>
+            </a:r>
+            <a:r>
+              <a:rPr lang="en-GB" sz="1400" dirty="0">
+                <a:solidFill>
+                  <a:srgbClr val="0070C0"/>
+                </a:solidFill>
+              </a:rPr>
+              <a:t> to use</a:t>
             </a:r>
             <a:endParaRPr lang="en-GB" sz="1400" i="1" dirty="0">
               <a:solidFill>

--- a/lectures/powerpoints/SDK-walkthrough-part-two.pptx
+++ b/lectures/powerpoints/SDK-walkthrough-part-two.pptx
@@ -149,14 +149,6 @@
 </p:presentation>
 </file>
 
-<file path=ppt/revisionInfo.xml><?xml version="1.0" encoding="utf-8"?>
-<p1510:revInfo xmlns:a="http://schemas.openxmlformats.org/drawingml/2006/main" xmlns:r="http://schemas.openxmlformats.org/officeDocument/2006/relationships" xmlns:p1510="http://schemas.microsoft.com/office/powerpoint/2015/10/main">
-  <p1510:revLst>
-    <p1510:client id="{FC271AF9-2AEA-492D-BBE0-1C724531AF59}" v="262" dt="2023-12-18T18:51:05.809"/>
-  </p1510:revLst>
-</p1510:revInfo>
-</file>
-
 <file path=ppt/handoutMasters/handoutMaster1.xml><?xml version="1.0" encoding="utf-8"?>
 <p:handoutMaster xmlns:a="http://schemas.openxmlformats.org/drawingml/2006/main" xmlns:r="http://schemas.openxmlformats.org/officeDocument/2006/relationships" xmlns:p="http://schemas.openxmlformats.org/presentationml/2006/main">
   <p:cSld>
@@ -214,7 +206,7 @@
           <a:p>
             <a:fld id="{237A3326-6BE8-4DE2-A526-66D6DC5DC342}" type="datetimeFigureOut">
               <a:rPr lang="en-GB" smtClean="0"/>
-              <a:t>19/12/2023</a:t>
+              <a:t>01/05/2024</a:t>
             </a:fld>
             <a:endParaRPr lang="en-GB"/>
           </a:p>
@@ -391,7 +383,7 @@
           <a:p>
             <a:fld id="{198E9702-0021-4473-93B9-41638846F4C4}" type="datetimeFigureOut">
               <a:rPr lang="en-GB" smtClean="0"/>
-              <a:t>19/12/2023</a:t>
+              <a:t>01/05/2024</a:t>
             </a:fld>
             <a:endParaRPr lang="en-GB"/>
           </a:p>
@@ -987,7 +979,7 @@
           <a:p>
             <a:fld id="{B1836D41-3C4D-1D49-AA54-4231464E6415}" type="datetimeFigureOut">
               <a:rPr lang="en-US" smtClean="0"/>
-              <a:t>12/19/2023</a:t>
+              <a:t>5/1/2024</a:t>
             </a:fld>
             <a:endParaRPr lang="en-US"/>
           </a:p>
@@ -1191,7 +1183,7 @@
           <a:p>
             <a:fld id="{B1836D41-3C4D-1D49-AA54-4231464E6415}" type="datetimeFigureOut">
               <a:rPr lang="en-US" smtClean="0"/>
-              <a:t>12/19/2023</a:t>
+              <a:t>5/1/2024</a:t>
             </a:fld>
             <a:endParaRPr lang="en-US"/>
           </a:p>
@@ -1372,7 +1364,7 @@
           <a:p>
             <a:fld id="{B1836D41-3C4D-1D49-AA54-4231464E6415}" type="datetimeFigureOut">
               <a:rPr lang="en-US" smtClean="0"/>
-              <a:t>12/19/2023</a:t>
+              <a:t>5/1/2024</a:t>
             </a:fld>
             <a:endParaRPr lang="en-US"/>
           </a:p>
@@ -1547,7 +1539,7 @@
           <a:p>
             <a:fld id="{B1836D41-3C4D-1D49-AA54-4231464E6415}" type="datetimeFigureOut">
               <a:rPr lang="en-US" smtClean="0"/>
-              <a:t>12/19/2023</a:t>
+              <a:t>5/1/2024</a:t>
             </a:fld>
             <a:endParaRPr lang="en-US"/>
           </a:p>
@@ -1795,7 +1787,7 @@
           <a:p>
             <a:fld id="{B1836D41-3C4D-1D49-AA54-4231464E6415}" type="datetimeFigureOut">
               <a:rPr lang="en-US" smtClean="0"/>
-              <a:t>12/19/2023</a:t>
+              <a:t>5/1/2024</a:t>
             </a:fld>
             <a:endParaRPr lang="en-US"/>
           </a:p>
@@ -2112,7 +2104,7 @@
           <a:p>
             <a:fld id="{B1836D41-3C4D-1D49-AA54-4231464E6415}" type="datetimeFigureOut">
               <a:rPr lang="en-US" smtClean="0"/>
-              <a:t>12/19/2023</a:t>
+              <a:t>5/1/2024</a:t>
             </a:fld>
             <a:endParaRPr lang="en-US"/>
           </a:p>
@@ -2578,7 +2570,7 @@
           <a:p>
             <a:fld id="{B1836D41-3C4D-1D49-AA54-4231464E6415}" type="datetimeFigureOut">
               <a:rPr lang="en-US" smtClean="0"/>
-              <a:t>12/19/2023</a:t>
+              <a:t>5/1/2024</a:t>
             </a:fld>
             <a:endParaRPr lang="en-US"/>
           </a:p>
@@ -2725,7 +2717,7 @@
           <a:p>
             <a:fld id="{B1836D41-3C4D-1D49-AA54-4231464E6415}" type="datetimeFigureOut">
               <a:rPr lang="en-US" smtClean="0"/>
-              <a:t>12/19/2023</a:t>
+              <a:t>5/1/2024</a:t>
             </a:fld>
             <a:endParaRPr lang="en-US"/>
           </a:p>
@@ -2815,7 +2807,7 @@
           <a:p>
             <a:fld id="{B1836D41-3C4D-1D49-AA54-4231464E6415}" type="datetimeFigureOut">
               <a:rPr lang="en-US" smtClean="0"/>
-              <a:t>12/19/2023</a:t>
+              <a:t>5/1/2024</a:t>
             </a:fld>
             <a:endParaRPr lang="en-US"/>
           </a:p>
@@ -3089,7 +3081,7 @@
           <a:p>
             <a:fld id="{B1836D41-3C4D-1D49-AA54-4231464E6415}" type="datetimeFigureOut">
               <a:rPr lang="en-US" smtClean="0"/>
-              <a:t>12/19/2023</a:t>
+              <a:t>5/1/2024</a:t>
             </a:fld>
             <a:endParaRPr lang="en-US"/>
           </a:p>
@@ -3394,7 +3386,7 @@
           <a:p>
             <a:fld id="{B1836D41-3C4D-1D49-AA54-4231464E6415}" type="datetimeFigureOut">
               <a:rPr lang="en-US" smtClean="0"/>
-              <a:t>12/19/2023</a:t>
+              <a:t>5/1/2024</a:t>
             </a:fld>
             <a:endParaRPr lang="en-US"/>
           </a:p>
@@ -3691,7 +3683,7 @@
           <a:p>
             <a:fld id="{B1836D41-3C4D-1D49-AA54-4231464E6415}" type="datetimeFigureOut">
               <a:rPr lang="en-US" smtClean="0"/>
-              <a:t>12/19/2023</a:t>
+              <a:t>5/1/2024</a:t>
             </a:fld>
             <a:endParaRPr lang="en-US"/>
           </a:p>
@@ -4821,7 +4813,7 @@
                 <a:latin typeface="Courier New" panose="02070309020205020404" pitchFamily="49" charset="0"/>
                 <a:cs typeface="Courier New" panose="02070309020205020404" pitchFamily="49" charset="0"/>
               </a:rPr>
-              <a:t>, .extend = N, .</a:t>
+              <a:t>, .extent = N, .</a:t>
             </a:r>
             <a:r>
               <a:rPr lang="en-GB" sz="1000" dirty="0" err="1">
@@ -5051,7 +5043,7 @@
                   <a:srgbClr val="0070C0"/>
                 </a:solidFill>
               </a:rPr>
-              <a:t>Extend is </a:t>
+              <a:t>Extent is </a:t>
             </a:r>
             <a:r>
               <a:rPr lang="en-GB" sz="1400" i="1" dirty="0">
@@ -5910,7 +5902,7 @@
                       <a:srgbClr val="0070C0"/>
                     </a:solidFill>
                   </a:rPr>
-                  <a:t>Extend is </a:t>
+                  <a:t>Extent is </a:t>
                 </a:r>
                 <a:r>
                   <a:rPr lang="en-GB" sz="1400" i="1" dirty="0">

--- a/lectures/powerpoints/SDK-walkthrough-part-two.pptx
+++ b/lectures/powerpoints/SDK-walkthrough-part-two.pptx
@@ -206,7 +206,7 @@
           <a:p>
             <a:fld id="{237A3326-6BE8-4DE2-A526-66D6DC5DC342}" type="datetimeFigureOut">
               <a:rPr lang="en-GB" smtClean="0"/>
-              <a:t>01/05/2024</a:t>
+              <a:t>02/05/2024</a:t>
             </a:fld>
             <a:endParaRPr lang="en-GB"/>
           </a:p>
@@ -383,7 +383,7 @@
           <a:p>
             <a:fld id="{198E9702-0021-4473-93B9-41638846F4C4}" type="datetimeFigureOut">
               <a:rPr lang="en-GB" smtClean="0"/>
-              <a:t>01/05/2024</a:t>
+              <a:t>02/05/2024</a:t>
             </a:fld>
             <a:endParaRPr lang="en-GB"/>
           </a:p>
@@ -979,7 +979,7 @@
           <a:p>
             <a:fld id="{B1836D41-3C4D-1D49-AA54-4231464E6415}" type="datetimeFigureOut">
               <a:rPr lang="en-US" smtClean="0"/>
-              <a:t>5/1/2024</a:t>
+              <a:t>5/2/24</a:t>
             </a:fld>
             <a:endParaRPr lang="en-US"/>
           </a:p>
@@ -1183,7 +1183,7 @@
           <a:p>
             <a:fld id="{B1836D41-3C4D-1D49-AA54-4231464E6415}" type="datetimeFigureOut">
               <a:rPr lang="en-US" smtClean="0"/>
-              <a:t>5/1/2024</a:t>
+              <a:t>5/2/24</a:t>
             </a:fld>
             <a:endParaRPr lang="en-US"/>
           </a:p>
@@ -1364,7 +1364,7 @@
           <a:p>
             <a:fld id="{B1836D41-3C4D-1D49-AA54-4231464E6415}" type="datetimeFigureOut">
               <a:rPr lang="en-US" smtClean="0"/>
-              <a:t>5/1/2024</a:t>
+              <a:t>5/2/24</a:t>
             </a:fld>
             <a:endParaRPr lang="en-US"/>
           </a:p>
@@ -1539,7 +1539,7 @@
           <a:p>
             <a:fld id="{B1836D41-3C4D-1D49-AA54-4231464E6415}" type="datetimeFigureOut">
               <a:rPr lang="en-US" smtClean="0"/>
-              <a:t>5/1/2024</a:t>
+              <a:t>5/2/24</a:t>
             </a:fld>
             <a:endParaRPr lang="en-US"/>
           </a:p>
@@ -1787,7 +1787,7 @@
           <a:p>
             <a:fld id="{B1836D41-3C4D-1D49-AA54-4231464E6415}" type="datetimeFigureOut">
               <a:rPr lang="en-US" smtClean="0"/>
-              <a:t>5/1/2024</a:t>
+              <a:t>5/2/24</a:t>
             </a:fld>
             <a:endParaRPr lang="en-US"/>
           </a:p>
@@ -2104,7 +2104,7 @@
           <a:p>
             <a:fld id="{B1836D41-3C4D-1D49-AA54-4231464E6415}" type="datetimeFigureOut">
               <a:rPr lang="en-US" smtClean="0"/>
-              <a:t>5/1/2024</a:t>
+              <a:t>5/2/24</a:t>
             </a:fld>
             <a:endParaRPr lang="en-US"/>
           </a:p>
@@ -2570,7 +2570,7 @@
           <a:p>
             <a:fld id="{B1836D41-3C4D-1D49-AA54-4231464E6415}" type="datetimeFigureOut">
               <a:rPr lang="en-US" smtClean="0"/>
-              <a:t>5/1/2024</a:t>
+              <a:t>5/2/24</a:t>
             </a:fld>
             <a:endParaRPr lang="en-US"/>
           </a:p>
@@ -2717,7 +2717,7 @@
           <a:p>
             <a:fld id="{B1836D41-3C4D-1D49-AA54-4231464E6415}" type="datetimeFigureOut">
               <a:rPr lang="en-US" smtClean="0"/>
-              <a:t>5/1/2024</a:t>
+              <a:t>5/2/24</a:t>
             </a:fld>
             <a:endParaRPr lang="en-US"/>
           </a:p>
@@ -2807,7 +2807,7 @@
           <a:p>
             <a:fld id="{B1836D41-3C4D-1D49-AA54-4231464E6415}" type="datetimeFigureOut">
               <a:rPr lang="en-US" smtClean="0"/>
-              <a:t>5/1/2024</a:t>
+              <a:t>5/2/24</a:t>
             </a:fld>
             <a:endParaRPr lang="en-US"/>
           </a:p>
@@ -3081,7 +3081,7 @@
           <a:p>
             <a:fld id="{B1836D41-3C4D-1D49-AA54-4231464E6415}" type="datetimeFigureOut">
               <a:rPr lang="en-US" smtClean="0"/>
-              <a:t>5/1/2024</a:t>
+              <a:t>5/2/24</a:t>
             </a:fld>
             <a:endParaRPr lang="en-US"/>
           </a:p>
@@ -3386,7 +3386,7 @@
           <a:p>
             <a:fld id="{B1836D41-3C4D-1D49-AA54-4231464E6415}" type="datetimeFigureOut">
               <a:rPr lang="en-US" smtClean="0"/>
-              <a:t>5/1/2024</a:t>
+              <a:t>5/2/24</a:t>
             </a:fld>
             <a:endParaRPr lang="en-US"/>
           </a:p>
@@ -3683,7 +3683,7 @@
           <a:p>
             <a:fld id="{B1836D41-3C4D-1D49-AA54-4231464E6415}" type="datetimeFigureOut">
               <a:rPr lang="en-US" smtClean="0"/>
-              <a:t>5/1/2024</a:t>
+              <a:t>5/2/24</a:t>
             </a:fld>
             <a:endParaRPr lang="en-US"/>
           </a:p>
@@ -12491,7 +12491,7 @@
           <a:p>
             <a:r>
               <a:rPr lang="en-GB" dirty="0"/>
-              <a:t>Each wavelet has associated with it a 5-bit identify which defines which channel it is communicated on</a:t>
+              <a:t>Each wavelet has associated with it a 5-bit identifier which defines which channel it is communicated on</a:t>
             </a:r>
           </a:p>
           <a:p>
@@ -12619,7 +12619,7 @@
           <a:p>
             <a:r>
               <a:rPr lang="en-GB" dirty="0"/>
-              <a:t>Scaling up to multiple PEs is easy for embarrassingly parallel codes is simple</a:t>
+              <a:t>Scaling up to multiple PEs for embarrassingly parallel codes is simple</a:t>
             </a:r>
           </a:p>
           <a:p>
@@ -15572,7 +15572,7 @@
             </a:r>
             <a:r>
               <a:rPr lang="en-GB" dirty="0"/>
-              <a:t>) each capable of communicating a 32-bit wavelet per cycle</a:t>
+              <a:t>) each capable of communicating a 32-bit wavelet per cycle (router to router)</a:t>
             </a:r>
           </a:p>
         </p:txBody>
